--- a/fireblaze work/Project_3/hospital_db.pptx
+++ b/fireblaze work/Project_3/hospital_db.pptx
@@ -4787,15 +4787,6 @@
               </a:rPr>
               <a:t>Doctor</a:t>
             </a:r>
-            <a:endParaRPr lang="en-US" dirty="0" smtClean="0">
-              <a:solidFill>
-                <a:schemeClr val="dk1"/>
-              </a:solidFill>
-              <a:latin typeface="Roboto"/>
-              <a:ea typeface="Roboto"/>
-              <a:cs typeface="Roboto"/>
-              <a:sym typeface="Roboto"/>
-            </a:endParaRPr>
           </a:p>
           <a:p>
             <a:pPr marL="1081088" indent="-457200" algn="just">
@@ -4820,15 +4811,6 @@
               </a:rPr>
               <a:t>Appointment</a:t>
             </a:r>
-            <a:endParaRPr lang="en-US" dirty="0" smtClean="0">
-              <a:solidFill>
-                <a:schemeClr val="dk1"/>
-              </a:solidFill>
-              <a:latin typeface="Roboto"/>
-              <a:ea typeface="Roboto"/>
-              <a:cs typeface="Roboto"/>
-              <a:sym typeface="Roboto"/>
-            </a:endParaRPr>
           </a:p>
           <a:p>
             <a:pPr marL="1081088" indent="-457200" algn="just">
@@ -4989,6 +4971,30 @@
           </a:p>
         </p:txBody>
       </p:sp>
+      <p:pic>
+        <p:nvPicPr>
+          <p:cNvPr id="2" name="Picture 1"/>
+          <p:cNvPicPr>
+            <a:picLocks noChangeAspect="1"/>
+          </p:cNvPicPr>
+          <p:nvPr/>
+        </p:nvPicPr>
+        <p:blipFill>
+          <a:blip r:embed="rId3"/>
+          <a:stretch>
+            <a:fillRect/>
+          </a:stretch>
+        </p:blipFill>
+        <p:spPr>
+          <a:xfrm>
+            <a:off x="4742623" y="1699868"/>
+            <a:ext cx="5555461" cy="3985605"/>
+          </a:xfrm>
+          <a:prstGeom prst="rect">
+            <a:avLst/>
+          </a:prstGeom>
+        </p:spPr>
+      </p:pic>
     </p:spTree>
     <p:extLst>
       <p:ext uri="{BB962C8B-B14F-4D97-AF65-F5344CB8AC3E}">
@@ -5099,7 +5105,7 @@
         </p:nvSpPr>
         <p:spPr>
           <a:xfrm>
-            <a:off x="-13400" y="574494"/>
+            <a:off x="-13400" y="885534"/>
             <a:ext cx="12192000" cy="5331200"/>
           </a:xfrm>
           <a:prstGeom prst="rect">
@@ -5128,30 +5134,44 @@
               </a:spcAft>
             </a:pPr>
             <a:r>
-              <a:rPr lang="en-US" sz="2800" dirty="0"/>
+              <a:rPr lang="en-US" sz="2000" dirty="0">
+                <a:latin typeface="Roboto"/>
+              </a:rPr>
               <a:t>There are </a:t>
             </a:r>
             <a:r>
-              <a:rPr lang="en-US" sz="2800" dirty="0" smtClean="0"/>
+              <a:rPr lang="en-US" sz="2000" dirty="0" smtClean="0">
+                <a:latin typeface="Roboto"/>
+              </a:rPr>
               <a:t>Five </a:t>
             </a:r>
             <a:r>
-              <a:rPr lang="en-US" sz="2800" dirty="0"/>
+              <a:rPr lang="en-US" sz="2000" dirty="0">
+                <a:latin typeface="Roboto"/>
+              </a:rPr>
               <a:t>tables in the database which </a:t>
             </a:r>
             <a:r>
-              <a:rPr lang="en-US" sz="2800" dirty="0" smtClean="0"/>
+              <a:rPr lang="en-US" sz="2000" dirty="0" smtClean="0">
+                <a:latin typeface="Roboto"/>
+              </a:rPr>
               <a:t>we </a:t>
             </a:r>
             <a:r>
-              <a:rPr lang="en-US" sz="2800" dirty="0"/>
+              <a:rPr lang="en-US" sz="2000" dirty="0">
+                <a:latin typeface="Roboto"/>
+              </a:rPr>
               <a:t>have to create in </a:t>
             </a:r>
             <a:r>
-              <a:rPr lang="en-US" sz="2800" dirty="0" smtClean="0"/>
+              <a:rPr lang="en-US" sz="2000" dirty="0" smtClean="0">
+                <a:latin typeface="Roboto"/>
+              </a:rPr>
               <a:t>our schema</a:t>
             </a:r>
-            <a:endParaRPr lang="en-US" sz="2800" dirty="0"/>
+            <a:endParaRPr lang="en-US" sz="2000" dirty="0">
+              <a:latin typeface="Roboto"/>
+            </a:endParaRPr>
           </a:p>
           <a:p>
             <a:pPr algn="just">
@@ -5385,13 +5405,6 @@
               </a:rPr>
               <a:t>Problems given in the questions </a:t>
             </a:r>
-            <a:endParaRPr lang="en-US" sz="1600" dirty="0" smtClean="0">
-              <a:solidFill>
-                <a:schemeClr val="dk1"/>
-              </a:solidFill>
-              <a:latin typeface="Roboto"/>
-              <a:sym typeface="Roboto"/>
-            </a:endParaRPr>
           </a:p>
           <a:p>
             <a:pPr algn="just">
@@ -5725,15 +5738,6 @@
               </a:rPr>
               <a:t>All the patients have unique addresses</a:t>
             </a:r>
-            <a:endParaRPr lang="en-US" sz="1600" dirty="0" smtClean="0">
-              <a:solidFill>
-                <a:schemeClr val="dk1"/>
-              </a:solidFill>
-              <a:latin typeface="Roboto"/>
-              <a:ea typeface="Roboto"/>
-              <a:cs typeface="Roboto"/>
-              <a:sym typeface="Roboto"/>
-            </a:endParaRPr>
           </a:p>
           <a:p>
             <a:pPr marL="1066785" indent="-457200">
@@ -5756,7 +5760,19 @@
                 <a:cs typeface="Roboto"/>
                 <a:sym typeface="Roboto"/>
               </a:rPr>
-              <a:t>More male doctors than female doctors</a:t>
+              <a:t>More male doctors than female </a:t>
+            </a:r>
+            <a:r>
+              <a:rPr lang="en-US" sz="1600" dirty="0" smtClean="0">
+                <a:solidFill>
+                  <a:schemeClr val="dk1"/>
+                </a:solidFill>
+                <a:latin typeface="Roboto"/>
+                <a:ea typeface="Roboto"/>
+                <a:cs typeface="Roboto"/>
+                <a:sym typeface="Roboto"/>
+              </a:rPr>
+              <a:t>doctors</a:t>
             </a:r>
           </a:p>
           <a:p>
@@ -5770,7 +5786,19 @@
               <a:buFont typeface="Arial" panose="020B0604020202020204" pitchFamily="34" charset="0"/>
               <a:buChar char="•"/>
             </a:pPr>
-            <a:endParaRPr sz="1600" dirty="0">
+            <a:r>
+              <a:rPr lang="en-US" sz="1600" dirty="0" smtClean="0">
+                <a:solidFill>
+                  <a:schemeClr val="dk1"/>
+                </a:solidFill>
+                <a:latin typeface="Roboto"/>
+                <a:ea typeface="Roboto"/>
+                <a:cs typeface="Roboto"/>
+                <a:sym typeface="Roboto"/>
+              </a:rPr>
+              <a:t>Many patients do not require surgeries</a:t>
+            </a:r>
+            <a:endParaRPr lang="en-US" sz="1600" dirty="0" smtClean="0">
               <a:solidFill>
                 <a:schemeClr val="dk1"/>
               </a:solidFill>
@@ -6034,7 +6062,55 @@
                 <a:spcPts val="2133"/>
               </a:spcAft>
             </a:pPr>
-            <a:endParaRPr sz="2667" dirty="0">
+            <a:r>
+              <a:rPr lang="en-US" sz="2667" dirty="0">
+                <a:solidFill>
+                  <a:schemeClr val="dk1"/>
+                </a:solidFill>
+                <a:latin typeface="Roboto"/>
+                <a:ea typeface="Roboto"/>
+                <a:cs typeface="Roboto"/>
+                <a:sym typeface="Roboto"/>
+              </a:rPr>
+              <a:t>We can create more tables and connect them with one another as per the requirements of </a:t>
+            </a:r>
+            <a:r>
+              <a:rPr lang="en-US" sz="2667">
+                <a:solidFill>
+                  <a:schemeClr val="dk1"/>
+                </a:solidFill>
+                <a:latin typeface="Roboto"/>
+                <a:ea typeface="Roboto"/>
+                <a:cs typeface="Roboto"/>
+                <a:sym typeface="Roboto"/>
+              </a:rPr>
+              <a:t>the </a:t>
+            </a:r>
+            <a:r>
+              <a:rPr lang="en-US" sz="2667" smtClean="0">
+                <a:solidFill>
+                  <a:schemeClr val="dk1"/>
+                </a:solidFill>
+                <a:latin typeface="Roboto"/>
+                <a:ea typeface="Roboto"/>
+                <a:cs typeface="Roboto"/>
+                <a:sym typeface="Roboto"/>
+              </a:rPr>
+              <a:t>hospital, </a:t>
+            </a:r>
+            <a:r>
+              <a:rPr lang="en-US" sz="2667" dirty="0">
+                <a:solidFill>
+                  <a:schemeClr val="dk1"/>
+                </a:solidFill>
+                <a:latin typeface="Roboto"/>
+                <a:ea typeface="Roboto"/>
+                <a:cs typeface="Roboto"/>
+                <a:sym typeface="Roboto"/>
+              </a:rPr>
+              <a:t>we can also design a web-page in order to integrate our database with it</a:t>
+            </a:r>
+            <a:endParaRPr lang="en-US" sz="2667" dirty="0">
               <a:solidFill>
                 <a:schemeClr val="dk1"/>
               </a:solidFill>
